--- a/docs/index.pptx
+++ b/docs/index.pptx
@@ -11,7 +11,6 @@
     <p:sldId id="259" r:id="rId5"/>
     <p:sldId id="260" r:id="rId6"/>
     <p:sldId id="261" r:id="rId7"/>
-    <p:sldId id="262" r:id="rId8"/>
   </p:sldIdLst>
   <p:sldSz cx="9144000" cy="5143500" type="screen16x9"/>
   <p:notesSz cx="6858000" cy="9144000"/>
@@ -3491,12 +3490,7 @@
             <p:ph type="title"/>
           </p:nvPr>
         </p:nvSpPr>
-        <p:spPr>
-          <a:xfrm>
-            <a:off x="457201" y="204787"/>
-            <a:ext cx="3008313" cy="871538"/>
-          </a:xfrm>
-        </p:spPr>
+        <p:spPr/>
         <p:txBody>
           <a:bodyPr/>
           <a:lstStyle/>
@@ -3507,31 +3501,6 @@
             <a:r>
               <a:rPr/>
               <a:t>Fees paid by project per fiscal</a:t>
-            </a:r>
-          </a:p>
-        </p:txBody>
-      </p:sp>
-      <p:sp>
-        <p:nvSpPr>
-          <p:cNvPr id="4" name="Text Placeholder 3"/>
-          <p:cNvSpPr>
-            <a:spLocks noGrp="1"/>
-          </p:cNvSpPr>
-          <p:nvPr>
-            <p:ph idx="2" sz="half" type="body"/>
-          </p:nvPr>
-        </p:nvSpPr>
-        <p:spPr/>
-        <p:txBody>
-          <a:bodyPr/>
-          <a:lstStyle/>
-          <a:p>
-            <a:pPr lvl="0" indent="0" marL="0">
-              <a:buNone/>
-            </a:pPr>
-            <a:r>
-              <a:rPr/>
-              <a:t>The labeled points are fees over $30,000</a:t>
             </a:r>
           </a:p>
         </p:txBody>
@@ -3539,83 +3508,6 @@
       <p:pic>
         <p:nvPicPr>
           <p:cNvPr descr="index_files/figure-pptx/unnamed-chunk-9-1.png" id="0" name="Picture 1"/>
-          <p:cNvPicPr>
-            <a:picLocks noGrp="1" noChangeAspect="1"/>
-          </p:cNvPicPr>
-          <p:nvPr/>
-        </p:nvPicPr>
-        <p:blipFill>
-          <a:blip r:embed="rId2"/>
-          <a:stretch>
-            <a:fillRect/>
-          </a:stretch>
-        </p:blipFill>
-        <p:spPr bwMode="auto">
-          <a:xfrm>
-            <a:off x="3568700" y="1117600"/>
-            <a:ext cx="5105400" cy="2552700"/>
-          </a:xfrm>
-          <a:prstGeom prst="rect">
-            <a:avLst/>
-          </a:prstGeom>
-          <a:noFill/>
-          <a:ln w="9525">
-            <a:noFill/>
-            <a:headEnd/>
-            <a:tailEnd/>
-          </a:ln>
-        </p:spPr>
-      </p:pic>
-    </p:spTree>
-  </p:cSld>
-</p:sld>
-</file>
-
-<file path=ppt/slides/slide7.xml><?xml version="1.0" encoding="utf-8"?>
-<p:sld xmlns:a="http://schemas.openxmlformats.org/drawingml/2006/main" xmlns:r="http://schemas.openxmlformats.org/officeDocument/2006/relationships" xmlns:p="http://schemas.openxmlformats.org/presentationml/2006/main">
-  <p:cSld>
-    <p:spTree>
-      <p:nvGrpSpPr>
-        <p:cNvPr id="1" name=""/>
-        <p:cNvGrpSpPr/>
-        <p:nvPr/>
-      </p:nvGrpSpPr>
-      <p:grpSpPr>
-        <a:xfrm>
-          <a:off x="0" y="0"/>
-          <a:ext cx="0" cy="0"/>
-          <a:chOff x="0" y="0"/>
-          <a:chExt cx="0" cy="0"/>
-        </a:xfrm>
-      </p:grpSpPr>
-      <p:sp>
-        <p:nvSpPr>
-          <p:cNvPr id="2" name="Title 1"/>
-          <p:cNvSpPr>
-            <a:spLocks noGrp="1"/>
-          </p:cNvSpPr>
-          <p:nvPr>
-            <p:ph type="title"/>
-          </p:nvPr>
-        </p:nvSpPr>
-        <p:spPr/>
-        <p:txBody>
-          <a:bodyPr/>
-          <a:lstStyle/>
-          <a:p>
-            <a:pPr lvl="0" indent="0" marL="0">
-              <a:buNone/>
-            </a:pPr>
-            <a:r>
-              <a:rPr/>
-              <a:t>Average fees per fiscal by service type</a:t>
-            </a:r>
-          </a:p>
-        </p:txBody>
-      </p:sp>
-      <p:pic>
-        <p:nvPicPr>
-          <p:cNvPr descr="index_files/figure-pptx/unnamed-chunk-10-1.png" id="0" name="Picture 1"/>
           <p:cNvPicPr>
             <a:picLocks noGrp="1" noChangeAspect="1"/>
           </p:cNvPicPr>
